--- a/static/images/bad_examples/primitives.pptx
+++ b/static/images/bad_examples/primitives.pptx
@@ -107,6 +107,11 @@
       </a:defRPr>
     </a:lvl9pPr>
   </p:defaultTextStyle>
+  <p:extLst>
+    <p:ext uri="{EFAFB233-063F-42B5-8137-9DF3F51BA10A}">
+      <p15:sldGuideLst xmlns:p15="http://schemas.microsoft.com/office/powerpoint/2012/main"/>
+    </p:ext>
+  </p:extLst>
 </p:presentation>
 </file>
 
@@ -2975,10 +2980,10 @@
         </p:nvGrpSpPr>
         <p:grpSpPr>
           <a:xfrm>
-            <a:off x="1347105" y="127328"/>
-            <a:ext cx="9642024" cy="6730672"/>
-            <a:chOff x="1118506" y="706994"/>
-            <a:chExt cx="7371961" cy="4838144"/>
+            <a:off x="1347105" y="0"/>
+            <a:ext cx="9642024" cy="6858000"/>
+            <a:chOff x="1118506" y="615468"/>
+            <a:chExt cx="7371961" cy="4929670"/>
           </a:xfrm>
         </p:grpSpPr>
         <p:pic>
@@ -3018,8 +3023,8 @@
           </p:nvSpPr>
           <p:spPr>
             <a:xfrm>
-              <a:off x="2167813" y="2911000"/>
-              <a:ext cx="301686" cy="369332"/>
+              <a:off x="1903168" y="2880665"/>
+              <a:ext cx="749333" cy="508843"/>
             </a:xfrm>
             <a:prstGeom prst="rect">
               <a:avLst/>
@@ -3033,10 +3038,10 @@
             <a:lstStyle/>
             <a:p>
               <a:r>
-                <a:rPr lang="en-US" dirty="0" smtClean="0"/>
-                <a:t>1</a:t>
+                <a:rPr lang="en-US" sz="4000" dirty="0" smtClean="0"/>
+                <a:t>Left</a:t>
               </a:r>
-              <a:endParaRPr lang="en-US" dirty="0"/>
+              <a:endParaRPr lang="en-US" sz="4000" dirty="0"/>
             </a:p>
           </p:txBody>
         </p:sp>
@@ -3048,8 +3053,8 @@
           </p:nvSpPr>
           <p:spPr>
             <a:xfrm>
-              <a:off x="4572000" y="706994"/>
-              <a:ext cx="301686" cy="369332"/>
+              <a:off x="4447157" y="615468"/>
+              <a:ext cx="710555" cy="508843"/>
             </a:xfrm>
             <a:prstGeom prst="rect">
               <a:avLst/>
@@ -3063,10 +3068,10 @@
             <a:lstStyle/>
             <a:p>
               <a:r>
-                <a:rPr lang="en-US" dirty="0"/>
-                <a:t>2</a:t>
+                <a:rPr lang="en-US" sz="4000" dirty="0" smtClean="0"/>
+                <a:t>Top</a:t>
               </a:r>
-              <a:endParaRPr lang="en-US" dirty="0"/>
+              <a:endParaRPr lang="en-US" sz="4000" dirty="0"/>
             </a:p>
           </p:txBody>
         </p:sp>
@@ -3078,8 +3083,8 @@
           </p:nvSpPr>
           <p:spPr>
             <a:xfrm>
-              <a:off x="7208283" y="2915865"/>
-              <a:ext cx="301686" cy="369332"/>
+              <a:off x="6793185" y="2880665"/>
+              <a:ext cx="962392" cy="508843"/>
             </a:xfrm>
             <a:prstGeom prst="rect">
               <a:avLst/>
@@ -3093,10 +3098,10 @@
             <a:lstStyle/>
             <a:p>
               <a:r>
-                <a:rPr lang="en-US" dirty="0" smtClean="0"/>
-                <a:t>3</a:t>
+                <a:rPr lang="en-US" sz="4000" dirty="0" smtClean="0"/>
+                <a:t>Right</a:t>
               </a:r>
-              <a:endParaRPr lang="en-US" dirty="0"/>
+              <a:endParaRPr lang="en-US" sz="4000" dirty="0"/>
             </a:p>
           </p:txBody>
         </p:sp>
@@ -3145,13 +3150,13 @@
                 </a:ext>
               </a:extLst>
             </a:blip>
-            <a:srcRect l="64941" t="31762" r="7916" b="35142"/>
+            <a:srcRect l="64941" t="33880" r="7916" b="35141"/>
             <a:stretch/>
           </p:blipFill>
           <p:spPr>
             <a:xfrm>
-              <a:off x="6008523" y="3275467"/>
-              <a:ext cx="2481944" cy="2269671"/>
+              <a:off x="6008523" y="3420685"/>
+              <a:ext cx="2481944" cy="2124453"/>
             </a:xfrm>
             <a:prstGeom prst="rect">
               <a:avLst/>
@@ -3289,10 +3294,10 @@
         </p:nvGrpSpPr>
         <p:grpSpPr>
           <a:xfrm>
-            <a:off x="1232806" y="0"/>
-            <a:ext cx="9878786" cy="6787821"/>
-            <a:chOff x="1232806" y="706994"/>
-            <a:chExt cx="7257661" cy="4838144"/>
+            <a:off x="1232806" y="453575"/>
+            <a:ext cx="9878786" cy="6334246"/>
+            <a:chOff x="1232806" y="1030288"/>
+            <a:chExt cx="7257661" cy="4514850"/>
           </a:xfrm>
         </p:grpSpPr>
         <p:pic>
@@ -3324,96 +3329,6 @@
             </a:prstGeom>
           </p:spPr>
         </p:pic>
-        <p:sp>
-          <p:nvSpPr>
-            <p:cNvPr id="5" name="TextBox 4"/>
-            <p:cNvSpPr txBox="1"/>
-            <p:nvPr/>
-          </p:nvSpPr>
-          <p:spPr>
-            <a:xfrm>
-              <a:off x="2167813" y="2911000"/>
-              <a:ext cx="301686" cy="369332"/>
-            </a:xfrm>
-            <a:prstGeom prst="rect">
-              <a:avLst/>
-            </a:prstGeom>
-            <a:noFill/>
-          </p:spPr>
-          <p:txBody>
-            <a:bodyPr wrap="none" rtlCol="0">
-              <a:spAutoFit/>
-            </a:bodyPr>
-            <a:lstStyle/>
-            <a:p>
-              <a:r>
-                <a:rPr lang="en-US" dirty="0" smtClean="0"/>
-                <a:t>1</a:t>
-              </a:r>
-              <a:endParaRPr lang="en-US" dirty="0"/>
-            </a:p>
-          </p:txBody>
-        </p:sp>
-        <p:sp>
-          <p:nvSpPr>
-            <p:cNvPr id="6" name="TextBox 5"/>
-            <p:cNvSpPr txBox="1"/>
-            <p:nvPr/>
-          </p:nvSpPr>
-          <p:spPr>
-            <a:xfrm>
-              <a:off x="4572000" y="706994"/>
-              <a:ext cx="301686" cy="369332"/>
-            </a:xfrm>
-            <a:prstGeom prst="rect">
-              <a:avLst/>
-            </a:prstGeom>
-            <a:noFill/>
-          </p:spPr>
-          <p:txBody>
-            <a:bodyPr wrap="none" rtlCol="0">
-              <a:spAutoFit/>
-            </a:bodyPr>
-            <a:lstStyle/>
-            <a:p>
-              <a:r>
-                <a:rPr lang="en-US" dirty="0"/>
-                <a:t>2</a:t>
-              </a:r>
-              <a:endParaRPr lang="en-US" dirty="0"/>
-            </a:p>
-          </p:txBody>
-        </p:sp>
-        <p:sp>
-          <p:nvSpPr>
-            <p:cNvPr id="7" name="TextBox 6"/>
-            <p:cNvSpPr txBox="1"/>
-            <p:nvPr/>
-          </p:nvSpPr>
-          <p:spPr>
-            <a:xfrm>
-              <a:off x="7208283" y="2915865"/>
-              <a:ext cx="301686" cy="369332"/>
-            </a:xfrm>
-            <a:prstGeom prst="rect">
-              <a:avLst/>
-            </a:prstGeom>
-            <a:noFill/>
-          </p:spPr>
-          <p:txBody>
-            <a:bodyPr wrap="none" rtlCol="0">
-              <a:spAutoFit/>
-            </a:bodyPr>
-            <a:lstStyle/>
-            <a:p>
-              <a:r>
-                <a:rPr lang="en-US" dirty="0" smtClean="0"/>
-                <a:t>3</a:t>
-              </a:r>
-              <a:endParaRPr lang="en-US" dirty="0"/>
-            </a:p>
-          </p:txBody>
-        </p:sp>
         <p:pic>
           <p:nvPicPr>
             <p:cNvPr id="8" name="Picture 7"/>
@@ -3652,6 +3567,111 @@
           </p:spPr>
         </p:pic>
       </p:grpSp>
+      <p:grpSp>
+        <p:nvGrpSpPr>
+          <p:cNvPr id="3" name="Group 2"/>
+          <p:cNvGrpSpPr/>
+          <p:nvPr/>
+        </p:nvGrpSpPr>
+        <p:grpSpPr>
+          <a:xfrm>
+            <a:off x="2220774" y="-115053"/>
+            <a:ext cx="7807168" cy="3974209"/>
+            <a:chOff x="2220774" y="-115053"/>
+            <a:chExt cx="7807168" cy="3974209"/>
+          </a:xfrm>
+        </p:grpSpPr>
+        <p:sp>
+          <p:nvSpPr>
+            <p:cNvPr id="15" name="TextBox 14"/>
+            <p:cNvSpPr txBox="1"/>
+            <p:nvPr/>
+          </p:nvSpPr>
+          <p:spPr>
+            <a:xfrm>
+              <a:off x="5518600" y="-115053"/>
+              <a:ext cx="929358" cy="707886"/>
+            </a:xfrm>
+            <a:prstGeom prst="rect">
+              <a:avLst/>
+            </a:prstGeom>
+            <a:noFill/>
+          </p:spPr>
+          <p:txBody>
+            <a:bodyPr wrap="none" rtlCol="0">
+              <a:spAutoFit/>
+            </a:bodyPr>
+            <a:lstStyle/>
+            <a:p>
+              <a:r>
+                <a:rPr lang="en-US" sz="4000" dirty="0" smtClean="0"/>
+                <a:t>Top</a:t>
+              </a:r>
+              <a:endParaRPr lang="en-US" sz="4000" dirty="0"/>
+            </a:p>
+          </p:txBody>
+        </p:sp>
+        <p:sp>
+          <p:nvSpPr>
+            <p:cNvPr id="16" name="TextBox 15"/>
+            <p:cNvSpPr txBox="1"/>
+            <p:nvPr/>
+          </p:nvSpPr>
+          <p:spPr>
+            <a:xfrm>
+              <a:off x="2220774" y="3107534"/>
+              <a:ext cx="980077" cy="707886"/>
+            </a:xfrm>
+            <a:prstGeom prst="rect">
+              <a:avLst/>
+            </a:prstGeom>
+            <a:noFill/>
+          </p:spPr>
+          <p:txBody>
+            <a:bodyPr wrap="none" rtlCol="0">
+              <a:spAutoFit/>
+            </a:bodyPr>
+            <a:lstStyle/>
+            <a:p>
+              <a:r>
+                <a:rPr lang="en-US" sz="4000" dirty="0" smtClean="0"/>
+                <a:t>Left</a:t>
+              </a:r>
+              <a:endParaRPr lang="en-US" sz="4000" dirty="0"/>
+            </a:p>
+          </p:txBody>
+        </p:sp>
+        <p:sp>
+          <p:nvSpPr>
+            <p:cNvPr id="17" name="TextBox 16"/>
+            <p:cNvSpPr txBox="1"/>
+            <p:nvPr/>
+          </p:nvSpPr>
+          <p:spPr>
+            <a:xfrm>
+              <a:off x="8769199" y="3151270"/>
+              <a:ext cx="1258743" cy="707886"/>
+            </a:xfrm>
+            <a:prstGeom prst="rect">
+              <a:avLst/>
+            </a:prstGeom>
+            <a:noFill/>
+          </p:spPr>
+          <p:txBody>
+            <a:bodyPr wrap="none" rtlCol="0">
+              <a:spAutoFit/>
+            </a:bodyPr>
+            <a:lstStyle/>
+            <a:p>
+              <a:r>
+                <a:rPr lang="en-US" sz="4000" dirty="0" smtClean="0"/>
+                <a:t>Right</a:t>
+              </a:r>
+              <a:endParaRPr lang="en-US" sz="4000" dirty="0"/>
+            </a:p>
+          </p:txBody>
+        </p:sp>
+      </p:grpSp>
     </p:spTree>
     <p:extLst>
       <p:ext uri="{BB962C8B-B14F-4D97-AF65-F5344CB8AC3E}">
@@ -3690,10 +3710,10 @@
         </p:nvGrpSpPr>
         <p:grpSpPr>
           <a:xfrm>
-            <a:off x="1424665" y="0"/>
-            <a:ext cx="9344028" cy="6768193"/>
-            <a:chOff x="1261381" y="706994"/>
-            <a:chExt cx="7229086" cy="4778500"/>
+            <a:off x="1424665" y="607973"/>
+            <a:ext cx="9344028" cy="6160220"/>
+            <a:chOff x="1261381" y="1136237"/>
+            <a:chExt cx="7229086" cy="4349257"/>
           </a:xfrm>
         </p:grpSpPr>
         <p:pic>
@@ -3725,96 +3745,6 @@
             </a:prstGeom>
           </p:spPr>
         </p:pic>
-        <p:sp>
-          <p:nvSpPr>
-            <p:cNvPr id="5" name="TextBox 4"/>
-            <p:cNvSpPr txBox="1"/>
-            <p:nvPr/>
-          </p:nvSpPr>
-          <p:spPr>
-            <a:xfrm>
-              <a:off x="2167813" y="2911000"/>
-              <a:ext cx="301686" cy="369332"/>
-            </a:xfrm>
-            <a:prstGeom prst="rect">
-              <a:avLst/>
-            </a:prstGeom>
-            <a:noFill/>
-          </p:spPr>
-          <p:txBody>
-            <a:bodyPr wrap="none" rtlCol="0">
-              <a:spAutoFit/>
-            </a:bodyPr>
-            <a:lstStyle/>
-            <a:p>
-              <a:r>
-                <a:rPr lang="en-US" dirty="0" smtClean="0"/>
-                <a:t>1</a:t>
-              </a:r>
-              <a:endParaRPr lang="en-US" dirty="0"/>
-            </a:p>
-          </p:txBody>
-        </p:sp>
-        <p:sp>
-          <p:nvSpPr>
-            <p:cNvPr id="6" name="TextBox 5"/>
-            <p:cNvSpPr txBox="1"/>
-            <p:nvPr/>
-          </p:nvSpPr>
-          <p:spPr>
-            <a:xfrm>
-              <a:off x="4572000" y="706994"/>
-              <a:ext cx="301686" cy="369332"/>
-            </a:xfrm>
-            <a:prstGeom prst="rect">
-              <a:avLst/>
-            </a:prstGeom>
-            <a:noFill/>
-          </p:spPr>
-          <p:txBody>
-            <a:bodyPr wrap="none" rtlCol="0">
-              <a:spAutoFit/>
-            </a:bodyPr>
-            <a:lstStyle/>
-            <a:p>
-              <a:r>
-                <a:rPr lang="en-US" dirty="0"/>
-                <a:t>2</a:t>
-              </a:r>
-              <a:endParaRPr lang="en-US" dirty="0"/>
-            </a:p>
-          </p:txBody>
-        </p:sp>
-        <p:sp>
-          <p:nvSpPr>
-            <p:cNvPr id="7" name="TextBox 6"/>
-            <p:cNvSpPr txBox="1"/>
-            <p:nvPr/>
-          </p:nvSpPr>
-          <p:spPr>
-            <a:xfrm>
-              <a:off x="7208283" y="2915865"/>
-              <a:ext cx="301686" cy="369332"/>
-            </a:xfrm>
-            <a:prstGeom prst="rect">
-              <a:avLst/>
-            </a:prstGeom>
-            <a:noFill/>
-          </p:spPr>
-          <p:txBody>
-            <a:bodyPr wrap="none" rtlCol="0">
-              <a:spAutoFit/>
-            </a:bodyPr>
-            <a:lstStyle/>
-            <a:p>
-              <a:r>
-                <a:rPr lang="en-US" dirty="0" smtClean="0"/>
-                <a:t>3</a:t>
-              </a:r>
-              <a:endParaRPr lang="en-US" dirty="0"/>
-            </a:p>
-          </p:txBody>
-        </p:sp>
         <p:sp>
           <p:nvSpPr>
             <p:cNvPr id="10" name="Rectangle 9"/>
@@ -3966,6 +3896,111 @@
           </p:spPr>
         </p:pic>
       </p:grpSp>
+      <p:grpSp>
+        <p:nvGrpSpPr>
+          <p:cNvPr id="12" name="Group 11"/>
+          <p:cNvGrpSpPr/>
+          <p:nvPr/>
+        </p:nvGrpSpPr>
+        <p:grpSpPr>
+          <a:xfrm>
+            <a:off x="2212610" y="-98647"/>
+            <a:ext cx="7807168" cy="3974209"/>
+            <a:chOff x="2220774" y="-115053"/>
+            <a:chExt cx="7807168" cy="3974209"/>
+          </a:xfrm>
+        </p:grpSpPr>
+        <p:sp>
+          <p:nvSpPr>
+            <p:cNvPr id="13" name="TextBox 12"/>
+            <p:cNvSpPr txBox="1"/>
+            <p:nvPr/>
+          </p:nvSpPr>
+          <p:spPr>
+            <a:xfrm>
+              <a:off x="5518600" y="-115053"/>
+              <a:ext cx="929358" cy="707886"/>
+            </a:xfrm>
+            <a:prstGeom prst="rect">
+              <a:avLst/>
+            </a:prstGeom>
+            <a:noFill/>
+          </p:spPr>
+          <p:txBody>
+            <a:bodyPr wrap="none" rtlCol="0">
+              <a:spAutoFit/>
+            </a:bodyPr>
+            <a:lstStyle/>
+            <a:p>
+              <a:r>
+                <a:rPr lang="en-US" sz="4000" dirty="0" smtClean="0"/>
+                <a:t>Top</a:t>
+              </a:r>
+              <a:endParaRPr lang="en-US" sz="4000" dirty="0"/>
+            </a:p>
+          </p:txBody>
+        </p:sp>
+        <p:sp>
+          <p:nvSpPr>
+            <p:cNvPr id="14" name="TextBox 13"/>
+            <p:cNvSpPr txBox="1"/>
+            <p:nvPr/>
+          </p:nvSpPr>
+          <p:spPr>
+            <a:xfrm>
+              <a:off x="2220774" y="3107534"/>
+              <a:ext cx="980077" cy="707886"/>
+            </a:xfrm>
+            <a:prstGeom prst="rect">
+              <a:avLst/>
+            </a:prstGeom>
+            <a:noFill/>
+          </p:spPr>
+          <p:txBody>
+            <a:bodyPr wrap="none" rtlCol="0">
+              <a:spAutoFit/>
+            </a:bodyPr>
+            <a:lstStyle/>
+            <a:p>
+              <a:r>
+                <a:rPr lang="en-US" sz="4000" dirty="0" smtClean="0"/>
+                <a:t>Left</a:t>
+              </a:r>
+              <a:endParaRPr lang="en-US" sz="4000" dirty="0"/>
+            </a:p>
+          </p:txBody>
+        </p:sp>
+        <p:sp>
+          <p:nvSpPr>
+            <p:cNvPr id="18" name="TextBox 17"/>
+            <p:cNvSpPr txBox="1"/>
+            <p:nvPr/>
+          </p:nvSpPr>
+          <p:spPr>
+            <a:xfrm>
+              <a:off x="8769199" y="3151270"/>
+              <a:ext cx="1258743" cy="707886"/>
+            </a:xfrm>
+            <a:prstGeom prst="rect">
+              <a:avLst/>
+            </a:prstGeom>
+            <a:noFill/>
+          </p:spPr>
+          <p:txBody>
+            <a:bodyPr wrap="none" rtlCol="0">
+              <a:spAutoFit/>
+            </a:bodyPr>
+            <a:lstStyle/>
+            <a:p>
+              <a:r>
+                <a:rPr lang="en-US" sz="4000" dirty="0" smtClean="0"/>
+                <a:t>Right</a:t>
+              </a:r>
+              <a:endParaRPr lang="en-US" sz="4000" dirty="0"/>
+            </a:p>
+          </p:txBody>
+        </p:sp>
+      </p:grpSp>
     </p:spTree>
     <p:extLst>
       <p:ext uri="{BB962C8B-B14F-4D97-AF65-F5344CB8AC3E}">
@@ -4004,10 +4039,10 @@
         </p:nvGrpSpPr>
         <p:grpSpPr>
           <a:xfrm>
-            <a:off x="1167491" y="0"/>
-            <a:ext cx="10107388" cy="6711043"/>
-            <a:chOff x="1118506" y="706994"/>
-            <a:chExt cx="7228499" cy="4748339"/>
+            <a:off x="1167491" y="521995"/>
+            <a:ext cx="10107388" cy="6189048"/>
+            <a:chOff x="1118506" y="1076327"/>
+            <a:chExt cx="7228499" cy="4379006"/>
           </a:xfrm>
         </p:grpSpPr>
         <p:pic>
@@ -4039,96 +4074,6 @@
             </a:prstGeom>
           </p:spPr>
         </p:pic>
-        <p:sp>
-          <p:nvSpPr>
-            <p:cNvPr id="5" name="TextBox 4"/>
-            <p:cNvSpPr txBox="1"/>
-            <p:nvPr/>
-          </p:nvSpPr>
-          <p:spPr>
-            <a:xfrm>
-              <a:off x="2167813" y="2911000"/>
-              <a:ext cx="301686" cy="369332"/>
-            </a:xfrm>
-            <a:prstGeom prst="rect">
-              <a:avLst/>
-            </a:prstGeom>
-            <a:noFill/>
-          </p:spPr>
-          <p:txBody>
-            <a:bodyPr wrap="none" rtlCol="0">
-              <a:spAutoFit/>
-            </a:bodyPr>
-            <a:lstStyle/>
-            <a:p>
-              <a:r>
-                <a:rPr lang="en-US" dirty="0" smtClean="0"/>
-                <a:t>1</a:t>
-              </a:r>
-              <a:endParaRPr lang="en-US" dirty="0"/>
-            </a:p>
-          </p:txBody>
-        </p:sp>
-        <p:sp>
-          <p:nvSpPr>
-            <p:cNvPr id="6" name="TextBox 5"/>
-            <p:cNvSpPr txBox="1"/>
-            <p:nvPr/>
-          </p:nvSpPr>
-          <p:spPr>
-            <a:xfrm>
-              <a:off x="4572000" y="706994"/>
-              <a:ext cx="301686" cy="369332"/>
-            </a:xfrm>
-            <a:prstGeom prst="rect">
-              <a:avLst/>
-            </a:prstGeom>
-            <a:noFill/>
-          </p:spPr>
-          <p:txBody>
-            <a:bodyPr wrap="none" rtlCol="0">
-              <a:spAutoFit/>
-            </a:bodyPr>
-            <a:lstStyle/>
-            <a:p>
-              <a:r>
-                <a:rPr lang="en-US" dirty="0"/>
-                <a:t>2</a:t>
-              </a:r>
-              <a:endParaRPr lang="en-US" dirty="0"/>
-            </a:p>
-          </p:txBody>
-        </p:sp>
-        <p:sp>
-          <p:nvSpPr>
-            <p:cNvPr id="7" name="TextBox 6"/>
-            <p:cNvSpPr txBox="1"/>
-            <p:nvPr/>
-          </p:nvSpPr>
-          <p:spPr>
-            <a:xfrm>
-              <a:off x="7208283" y="2915865"/>
-              <a:ext cx="301686" cy="369332"/>
-            </a:xfrm>
-            <a:prstGeom prst="rect">
-              <a:avLst/>
-            </a:prstGeom>
-            <a:noFill/>
-          </p:spPr>
-          <p:txBody>
-            <a:bodyPr wrap="none" rtlCol="0">
-              <a:spAutoFit/>
-            </a:bodyPr>
-            <a:lstStyle/>
-            <a:p>
-              <a:r>
-                <a:rPr lang="en-US" dirty="0" smtClean="0"/>
-                <a:t>3</a:t>
-              </a:r>
-              <a:endParaRPr lang="en-US" dirty="0"/>
-            </a:p>
-          </p:txBody>
-        </p:sp>
         <p:sp>
           <p:nvSpPr>
             <p:cNvPr id="10" name="Rectangle 9"/>
@@ -4279,6 +4224,111 @@
             </a:prstGeom>
           </p:spPr>
         </p:pic>
+      </p:grpSp>
+      <p:grpSp>
+        <p:nvGrpSpPr>
+          <p:cNvPr id="19" name="Group 18"/>
+          <p:cNvGrpSpPr/>
+          <p:nvPr/>
+        </p:nvGrpSpPr>
+        <p:grpSpPr>
+          <a:xfrm>
+            <a:off x="2298505" y="-150713"/>
+            <a:ext cx="8096308" cy="3936390"/>
+            <a:chOff x="1961945" y="-115053"/>
+            <a:chExt cx="8096308" cy="3936390"/>
+          </a:xfrm>
+        </p:grpSpPr>
+        <p:sp>
+          <p:nvSpPr>
+            <p:cNvPr id="20" name="TextBox 19"/>
+            <p:cNvSpPr txBox="1"/>
+            <p:nvPr/>
+          </p:nvSpPr>
+          <p:spPr>
+            <a:xfrm>
+              <a:off x="5518600" y="-115053"/>
+              <a:ext cx="929358" cy="707886"/>
+            </a:xfrm>
+            <a:prstGeom prst="rect">
+              <a:avLst/>
+            </a:prstGeom>
+            <a:noFill/>
+          </p:spPr>
+          <p:txBody>
+            <a:bodyPr wrap="none" rtlCol="0">
+              <a:spAutoFit/>
+            </a:bodyPr>
+            <a:lstStyle/>
+            <a:p>
+              <a:r>
+                <a:rPr lang="en-US" sz="4000" dirty="0" smtClean="0"/>
+                <a:t>Top</a:t>
+              </a:r>
+              <a:endParaRPr lang="en-US" sz="4000" dirty="0"/>
+            </a:p>
+          </p:txBody>
+        </p:sp>
+        <p:sp>
+          <p:nvSpPr>
+            <p:cNvPr id="21" name="TextBox 20"/>
+            <p:cNvSpPr txBox="1"/>
+            <p:nvPr/>
+          </p:nvSpPr>
+          <p:spPr>
+            <a:xfrm>
+              <a:off x="1961945" y="3113451"/>
+              <a:ext cx="980077" cy="707886"/>
+            </a:xfrm>
+            <a:prstGeom prst="rect">
+              <a:avLst/>
+            </a:prstGeom>
+            <a:noFill/>
+          </p:spPr>
+          <p:txBody>
+            <a:bodyPr wrap="none" rtlCol="0">
+              <a:spAutoFit/>
+            </a:bodyPr>
+            <a:lstStyle/>
+            <a:p>
+              <a:r>
+                <a:rPr lang="en-US" sz="4000" dirty="0" smtClean="0"/>
+                <a:t>Left</a:t>
+              </a:r>
+              <a:endParaRPr lang="en-US" sz="4000" dirty="0"/>
+            </a:p>
+          </p:txBody>
+        </p:sp>
+        <p:sp>
+          <p:nvSpPr>
+            <p:cNvPr id="22" name="TextBox 21"/>
+            <p:cNvSpPr txBox="1"/>
+            <p:nvPr/>
+          </p:nvSpPr>
+          <p:spPr>
+            <a:xfrm>
+              <a:off x="8799510" y="3113451"/>
+              <a:ext cx="1258743" cy="707886"/>
+            </a:xfrm>
+            <a:prstGeom prst="rect">
+              <a:avLst/>
+            </a:prstGeom>
+            <a:noFill/>
+          </p:spPr>
+          <p:txBody>
+            <a:bodyPr wrap="none" rtlCol="0">
+              <a:spAutoFit/>
+            </a:bodyPr>
+            <a:lstStyle/>
+            <a:p>
+              <a:r>
+                <a:rPr lang="en-US" sz="4000" dirty="0" smtClean="0"/>
+                <a:t>Right</a:t>
+              </a:r>
+              <a:endParaRPr lang="en-US" sz="4000" dirty="0"/>
+            </a:p>
+          </p:txBody>
+        </p:sp>
       </p:grpSp>
     </p:spTree>
     <p:extLst>

--- a/static/images/bad_examples/primitives.pptx
+++ b/static/images/bad_examples/primitives.pptx
@@ -246,7 +246,7 @@
           <a:p>
             <a:fld id="{7E02F9C9-CC57-4438-8FE0-2B1648B82B20}" type="datetimeFigureOut">
               <a:rPr lang="en-US" smtClean="0"/>
-              <a:t>6/28/2015</a:t>
+              <a:t>7/7/2015</a:t>
             </a:fld>
             <a:endParaRPr lang="en-US"/>
           </a:p>
@@ -416,7 +416,7 @@
           <a:p>
             <a:fld id="{7E02F9C9-CC57-4438-8FE0-2B1648B82B20}" type="datetimeFigureOut">
               <a:rPr lang="en-US" smtClean="0"/>
-              <a:t>6/28/2015</a:t>
+              <a:t>7/7/2015</a:t>
             </a:fld>
             <a:endParaRPr lang="en-US"/>
           </a:p>
@@ -596,7 +596,7 @@
           <a:p>
             <a:fld id="{7E02F9C9-CC57-4438-8FE0-2B1648B82B20}" type="datetimeFigureOut">
               <a:rPr lang="en-US" smtClean="0"/>
-              <a:t>6/28/2015</a:t>
+              <a:t>7/7/2015</a:t>
             </a:fld>
             <a:endParaRPr lang="en-US"/>
           </a:p>
@@ -766,7 +766,7 @@
           <a:p>
             <a:fld id="{7E02F9C9-CC57-4438-8FE0-2B1648B82B20}" type="datetimeFigureOut">
               <a:rPr lang="en-US" smtClean="0"/>
-              <a:t>6/28/2015</a:t>
+              <a:t>7/7/2015</a:t>
             </a:fld>
             <a:endParaRPr lang="en-US"/>
           </a:p>
@@ -1012,7 +1012,7 @@
           <a:p>
             <a:fld id="{7E02F9C9-CC57-4438-8FE0-2B1648B82B20}" type="datetimeFigureOut">
               <a:rPr lang="en-US" smtClean="0"/>
-              <a:t>6/28/2015</a:t>
+              <a:t>7/7/2015</a:t>
             </a:fld>
             <a:endParaRPr lang="en-US"/>
           </a:p>
@@ -1244,7 +1244,7 @@
           <a:p>
             <a:fld id="{7E02F9C9-CC57-4438-8FE0-2B1648B82B20}" type="datetimeFigureOut">
               <a:rPr lang="en-US" smtClean="0"/>
-              <a:t>6/28/2015</a:t>
+              <a:t>7/7/2015</a:t>
             </a:fld>
             <a:endParaRPr lang="en-US"/>
           </a:p>
@@ -1611,7 +1611,7 @@
           <a:p>
             <a:fld id="{7E02F9C9-CC57-4438-8FE0-2B1648B82B20}" type="datetimeFigureOut">
               <a:rPr lang="en-US" smtClean="0"/>
-              <a:t>6/28/2015</a:t>
+              <a:t>7/7/2015</a:t>
             </a:fld>
             <a:endParaRPr lang="en-US"/>
           </a:p>
@@ -1729,7 +1729,7 @@
           <a:p>
             <a:fld id="{7E02F9C9-CC57-4438-8FE0-2B1648B82B20}" type="datetimeFigureOut">
               <a:rPr lang="en-US" smtClean="0"/>
-              <a:t>6/28/2015</a:t>
+              <a:t>7/7/2015</a:t>
             </a:fld>
             <a:endParaRPr lang="en-US"/>
           </a:p>
@@ -1824,7 +1824,7 @@
           <a:p>
             <a:fld id="{7E02F9C9-CC57-4438-8FE0-2B1648B82B20}" type="datetimeFigureOut">
               <a:rPr lang="en-US" smtClean="0"/>
-              <a:t>6/28/2015</a:t>
+              <a:t>7/7/2015</a:t>
             </a:fld>
             <a:endParaRPr lang="en-US"/>
           </a:p>
@@ -2101,7 +2101,7 @@
           <a:p>
             <a:fld id="{7E02F9C9-CC57-4438-8FE0-2B1648B82B20}" type="datetimeFigureOut">
               <a:rPr lang="en-US" smtClean="0"/>
-              <a:t>6/28/2015</a:t>
+              <a:t>7/7/2015</a:t>
             </a:fld>
             <a:endParaRPr lang="en-US"/>
           </a:p>
@@ -2354,7 +2354,7 @@
           <a:p>
             <a:fld id="{7E02F9C9-CC57-4438-8FE0-2B1648B82B20}" type="datetimeFigureOut">
               <a:rPr lang="en-US" smtClean="0"/>
-              <a:t>6/28/2015</a:t>
+              <a:t>7/7/2015</a:t>
             </a:fld>
             <a:endParaRPr lang="en-US"/>
           </a:p>
@@ -2567,7 +2567,7 @@
           <a:p>
             <a:fld id="{7E02F9C9-CC57-4438-8FE0-2B1648B82B20}" type="datetimeFigureOut">
               <a:rPr lang="en-US" smtClean="0"/>
-              <a:t>6/28/2015</a:t>
+              <a:t>7/7/2015</a:t>
             </a:fld>
             <a:endParaRPr lang="en-US"/>
           </a:p>
@@ -2981,40 +2981,11 @@
         <p:grpSpPr>
           <a:xfrm>
             <a:off x="1347105" y="0"/>
-            <a:ext cx="9642024" cy="6858000"/>
+            <a:ext cx="8680838" cy="6733066"/>
             <a:chOff x="1118506" y="615468"/>
-            <a:chExt cx="7371961" cy="4929670"/>
+            <a:chExt cx="6637071" cy="4839865"/>
           </a:xfrm>
         </p:grpSpPr>
-        <p:pic>
-          <p:nvPicPr>
-            <p:cNvPr id="4" name="Picture 3"/>
-            <p:cNvPicPr>
-              <a:picLocks noChangeAspect="1"/>
-            </p:cNvPicPr>
-            <p:nvPr/>
-          </p:nvPicPr>
-          <p:blipFill rotWithShape="1">
-            <a:blip r:embed="rId2">
-              <a:extLst>
-                <a:ext uri="{28A0092B-C50C-407E-A947-70E740481C1C}">
-                  <a14:useLocalDpi xmlns:a14="http://schemas.microsoft.com/office/drawing/2010/main" val="0"/>
-                </a:ext>
-              </a:extLst>
-            </a:blip>
-            <a:srcRect l="40000" t="32500" r="36875" b="34762"/>
-            <a:stretch/>
-          </p:blipFill>
-          <p:spPr>
-            <a:xfrm>
-              <a:off x="3665568" y="1030288"/>
-              <a:ext cx="2114550" cy="2245179"/>
-            </a:xfrm>
-            <a:prstGeom prst="rect">
-              <a:avLst/>
-            </a:prstGeom>
-          </p:spPr>
-        </p:pic>
         <p:sp>
           <p:nvSpPr>
             <p:cNvPr id="5" name="TextBox 4"/>
@@ -3105,64 +3076,6 @@
             </a:p>
           </p:txBody>
         </p:sp>
-        <p:pic>
-          <p:nvPicPr>
-            <p:cNvPr id="8" name="Picture 7"/>
-            <p:cNvPicPr>
-              <a:picLocks noChangeAspect="1"/>
-            </p:cNvPicPr>
-            <p:nvPr/>
-          </p:nvPicPr>
-          <p:blipFill rotWithShape="1">
-            <a:blip r:embed="rId2">
-              <a:extLst>
-                <a:ext uri="{28A0092B-C50C-407E-A947-70E740481C1C}">
-                  <a14:useLocalDpi xmlns:a14="http://schemas.microsoft.com/office/drawing/2010/main" val="0"/>
-                </a:ext>
-              </a:extLst>
-            </a:blip>
-            <a:srcRect l="11905" t="31905" r="64345" b="36309"/>
-            <a:stretch/>
-          </p:blipFill>
-          <p:spPr>
-            <a:xfrm>
-              <a:off x="1232806" y="3275467"/>
-              <a:ext cx="2171700" cy="2179865"/>
-            </a:xfrm>
-            <a:prstGeom prst="rect">
-              <a:avLst/>
-            </a:prstGeom>
-          </p:spPr>
-        </p:pic>
-        <p:pic>
-          <p:nvPicPr>
-            <p:cNvPr id="9" name="Picture 8"/>
-            <p:cNvPicPr>
-              <a:picLocks noChangeAspect="1"/>
-            </p:cNvPicPr>
-            <p:nvPr/>
-          </p:nvPicPr>
-          <p:blipFill rotWithShape="1">
-            <a:blip r:embed="rId2">
-              <a:extLst>
-                <a:ext uri="{28A0092B-C50C-407E-A947-70E740481C1C}">
-                  <a14:useLocalDpi xmlns:a14="http://schemas.microsoft.com/office/drawing/2010/main" val="0"/>
-                </a:ext>
-              </a:extLst>
-            </a:blip>
-            <a:srcRect l="64941" t="33880" r="7916" b="35141"/>
-            <a:stretch/>
-          </p:blipFill>
-          <p:spPr>
-            <a:xfrm>
-              <a:off x="6008523" y="3420685"/>
-              <a:ext cx="2481944" cy="2124453"/>
-            </a:xfrm>
-            <a:prstGeom prst="rect">
-              <a:avLst/>
-            </a:prstGeom>
-          </p:spPr>
-        </p:pic>
         <p:sp>
           <p:nvSpPr>
             <p:cNvPr id="10" name="Rectangle 9"/>
@@ -3256,6 +3169,96 @@
           </p:txBody>
         </p:sp>
       </p:grpSp>
+      <p:pic>
+        <p:nvPicPr>
+          <p:cNvPr id="2" name="Picture 1"/>
+          <p:cNvPicPr>
+            <a:picLocks noChangeAspect="1"/>
+          </p:cNvPicPr>
+          <p:nvPr/>
+        </p:nvPicPr>
+        <p:blipFill>
+          <a:blip r:embed="rId2">
+            <a:extLst>
+              <a:ext uri="{28A0092B-C50C-407E-A947-70E740481C1C}">
+                <a14:useLocalDpi xmlns:a14="http://schemas.microsoft.com/office/drawing/2010/main" val="0"/>
+              </a:ext>
+            </a:extLst>
+          </a:blip>
+          <a:stretch>
+            <a:fillRect/>
+          </a:stretch>
+        </p:blipFill>
+        <p:spPr>
+          <a:xfrm>
+            <a:off x="5086910" y="702507"/>
+            <a:ext cx="2066706" cy="2741330"/>
+          </a:xfrm>
+          <a:prstGeom prst="rect">
+            <a:avLst/>
+          </a:prstGeom>
+        </p:spPr>
+      </p:pic>
+      <p:pic>
+        <p:nvPicPr>
+          <p:cNvPr id="3" name="Picture 2"/>
+          <p:cNvPicPr>
+            <a:picLocks noChangeAspect="1"/>
+          </p:cNvPicPr>
+          <p:nvPr/>
+        </p:nvPicPr>
+        <p:blipFill>
+          <a:blip r:embed="rId3">
+            <a:extLst>
+              <a:ext uri="{28A0092B-C50C-407E-A947-70E740481C1C}">
+                <a14:useLocalDpi xmlns:a14="http://schemas.microsoft.com/office/drawing/2010/main" val="0"/>
+              </a:ext>
+            </a:extLst>
+          </a:blip>
+          <a:stretch>
+            <a:fillRect/>
+          </a:stretch>
+        </p:blipFill>
+        <p:spPr>
+          <a:xfrm>
+            <a:off x="1780105" y="3917668"/>
+            <a:ext cx="2166645" cy="2732321"/>
+          </a:xfrm>
+          <a:prstGeom prst="rect">
+            <a:avLst/>
+          </a:prstGeom>
+        </p:spPr>
+      </p:pic>
+      <p:pic>
+        <p:nvPicPr>
+          <p:cNvPr id="13" name="Picture 12"/>
+          <p:cNvPicPr>
+            <a:picLocks noChangeAspect="1"/>
+          </p:cNvPicPr>
+          <p:nvPr/>
+        </p:nvPicPr>
+        <p:blipFill>
+          <a:blip r:embed="rId4">
+            <a:extLst>
+              <a:ext uri="{28A0092B-C50C-407E-A947-70E740481C1C}">
+                <a14:useLocalDpi xmlns:a14="http://schemas.microsoft.com/office/drawing/2010/main" val="0"/>
+              </a:ext>
+            </a:extLst>
+          </a:blip>
+          <a:stretch>
+            <a:fillRect/>
+          </a:stretch>
+        </p:blipFill>
+        <p:spPr>
+          <a:xfrm>
+            <a:off x="8292789" y="3917668"/>
+            <a:ext cx="2211564" cy="2873910"/>
+          </a:xfrm>
+          <a:prstGeom prst="rect">
+            <a:avLst/>
+          </a:prstGeom>
+        </p:spPr>
+      </p:pic>
     </p:spTree>
     <p:extLst>
       <p:ext uri="{BB962C8B-B14F-4D97-AF65-F5344CB8AC3E}">
@@ -3294,99 +3297,12 @@
         </p:nvGrpSpPr>
         <p:grpSpPr>
           <a:xfrm>
-            <a:off x="1232806" y="453575"/>
-            <a:ext cx="9878786" cy="6334246"/>
-            <a:chOff x="1232806" y="1030288"/>
-            <a:chExt cx="7257661" cy="4514850"/>
+            <a:off x="4544169" y="518167"/>
+            <a:ext cx="6567424" cy="6185975"/>
+            <a:chOff x="3665569" y="1076327"/>
+            <a:chExt cx="4824898" cy="4409167"/>
           </a:xfrm>
         </p:grpSpPr>
-        <p:pic>
-          <p:nvPicPr>
-            <p:cNvPr id="4" name="Picture 3"/>
-            <p:cNvPicPr>
-              <a:picLocks noChangeAspect="1"/>
-            </p:cNvPicPr>
-            <p:nvPr/>
-          </p:nvPicPr>
-          <p:blipFill rotWithShape="1">
-            <a:blip r:embed="rId2">
-              <a:extLst>
-                <a:ext uri="{28A0092B-C50C-407E-A947-70E740481C1C}">
-                  <a14:useLocalDpi xmlns:a14="http://schemas.microsoft.com/office/drawing/2010/main" val="0"/>
-                </a:ext>
-              </a:extLst>
-            </a:blip>
-            <a:srcRect l="40000" t="32500" r="36875" b="34762"/>
-            <a:stretch/>
-          </p:blipFill>
-          <p:spPr>
-            <a:xfrm>
-              <a:off x="3665568" y="1030288"/>
-              <a:ext cx="2114550" cy="2245179"/>
-            </a:xfrm>
-            <a:prstGeom prst="rect">
-              <a:avLst/>
-            </a:prstGeom>
-          </p:spPr>
-        </p:pic>
-        <p:pic>
-          <p:nvPicPr>
-            <p:cNvPr id="8" name="Picture 7"/>
-            <p:cNvPicPr>
-              <a:picLocks noChangeAspect="1"/>
-            </p:cNvPicPr>
-            <p:nvPr/>
-          </p:nvPicPr>
-          <p:blipFill rotWithShape="1">
-            <a:blip r:embed="rId2">
-              <a:extLst>
-                <a:ext uri="{28A0092B-C50C-407E-A947-70E740481C1C}">
-                  <a14:useLocalDpi xmlns:a14="http://schemas.microsoft.com/office/drawing/2010/main" val="0"/>
-                </a:ext>
-              </a:extLst>
-            </a:blip>
-            <a:srcRect l="11905" t="31905" r="64345" b="36309"/>
-            <a:stretch/>
-          </p:blipFill>
-          <p:spPr>
-            <a:xfrm>
-              <a:off x="1232806" y="3275467"/>
-              <a:ext cx="2171700" cy="2179865"/>
-            </a:xfrm>
-            <a:prstGeom prst="rect">
-              <a:avLst/>
-            </a:prstGeom>
-          </p:spPr>
-        </p:pic>
-        <p:pic>
-          <p:nvPicPr>
-            <p:cNvPr id="9" name="Picture 8"/>
-            <p:cNvPicPr>
-              <a:picLocks noChangeAspect="1"/>
-            </p:cNvPicPr>
-            <p:nvPr/>
-          </p:nvPicPr>
-          <p:blipFill rotWithShape="1">
-            <a:blip r:embed="rId2">
-              <a:extLst>
-                <a:ext uri="{28A0092B-C50C-407E-A947-70E740481C1C}">
-                  <a14:useLocalDpi xmlns:a14="http://schemas.microsoft.com/office/drawing/2010/main" val="0"/>
-                </a:ext>
-              </a:extLst>
-            </a:blip>
-            <a:srcRect l="64941" t="31762" r="7916" b="35142"/>
-            <a:stretch/>
-          </p:blipFill>
-          <p:spPr>
-            <a:xfrm>
-              <a:off x="6008523" y="3275467"/>
-              <a:ext cx="2481944" cy="2269671"/>
-            </a:xfrm>
-            <a:prstGeom prst="rect">
-              <a:avLst/>
-            </a:prstGeom>
-          </p:spPr>
-        </p:pic>
         <p:sp>
           <p:nvSpPr>
             <p:cNvPr id="10" name="Rectangle 9"/>
@@ -3479,93 +3395,6 @@
             </a:p>
           </p:txBody>
         </p:sp>
-        <p:pic>
-          <p:nvPicPr>
-            <p:cNvPr id="12" name="Content Placeholder 3"/>
-            <p:cNvPicPr>
-              <a:picLocks noChangeAspect="1"/>
-            </p:cNvPicPr>
-            <p:nvPr/>
-          </p:nvPicPr>
-          <p:blipFill rotWithShape="1">
-            <a:blip r:embed="rId3">
-              <a:extLst>
-                <a:ext uri="{28A0092B-C50C-407E-A947-70E740481C1C}">
-                  <a14:useLocalDpi xmlns:a14="http://schemas.microsoft.com/office/drawing/2010/main" val="0"/>
-                </a:ext>
-              </a:extLst>
-            </a:blip>
-            <a:srcRect l="69018" t="34286" r="9643" b="37619"/>
-            <a:stretch/>
-          </p:blipFill>
-          <p:spPr>
-            <a:xfrm>
-              <a:off x="6383494" y="3451781"/>
-              <a:ext cx="1951264" cy="1926772"/>
-            </a:xfrm>
-            <a:prstGeom prst="rect">
-              <a:avLst/>
-            </a:prstGeom>
-          </p:spPr>
-        </p:pic>
-        <p:pic>
-          <p:nvPicPr>
-            <p:cNvPr id="13" name="Content Placeholder 3"/>
-            <p:cNvPicPr>
-              <a:picLocks noChangeAspect="1"/>
-            </p:cNvPicPr>
-            <p:nvPr/>
-          </p:nvPicPr>
-          <p:blipFill rotWithShape="1">
-            <a:blip r:embed="rId3">
-              <a:extLst>
-                <a:ext uri="{28A0092B-C50C-407E-A947-70E740481C1C}">
-                  <a14:useLocalDpi xmlns:a14="http://schemas.microsoft.com/office/drawing/2010/main" val="0"/>
-                </a:ext>
-              </a:extLst>
-            </a:blip>
-            <a:srcRect l="41161" t="34166" r="37232" b="37501"/>
-            <a:stretch/>
-          </p:blipFill>
-          <p:spPr>
-            <a:xfrm>
-              <a:off x="3734964" y="1152566"/>
-              <a:ext cx="1975757" cy="1943100"/>
-            </a:xfrm>
-            <a:prstGeom prst="rect">
-              <a:avLst/>
-            </a:prstGeom>
-          </p:spPr>
-        </p:pic>
-        <p:pic>
-          <p:nvPicPr>
-            <p:cNvPr id="14" name="Content Placeholder 3"/>
-            <p:cNvPicPr>
-              <a:picLocks noChangeAspect="1"/>
-            </p:cNvPicPr>
-            <p:nvPr/>
-          </p:nvPicPr>
-          <p:blipFill rotWithShape="1">
-            <a:blip r:embed="rId3">
-              <a:extLst>
-                <a:ext uri="{28A0092B-C50C-407E-A947-70E740481C1C}">
-                  <a14:useLocalDpi xmlns:a14="http://schemas.microsoft.com/office/drawing/2010/main" val="0"/>
-                </a:ext>
-              </a:extLst>
-            </a:blip>
-            <a:srcRect l="12768" t="33929" r="65625" b="37381"/>
-            <a:stretch/>
-          </p:blipFill>
-          <p:spPr>
-            <a:xfrm>
-              <a:off x="1330777" y="3426505"/>
-              <a:ext cx="1975757" cy="1967594"/>
-            </a:xfrm>
-            <a:prstGeom prst="rect">
-              <a:avLst/>
-            </a:prstGeom>
-          </p:spPr>
-        </p:pic>
       </p:grpSp>
       <p:grpSp>
         <p:nvGrpSpPr>
@@ -3672,6 +3501,96 @@
           </p:txBody>
         </p:sp>
       </p:grpSp>
+      <p:pic>
+        <p:nvPicPr>
+          <p:cNvPr id="5" name="Picture 4"/>
+          <p:cNvPicPr>
+            <a:picLocks noChangeAspect="1"/>
+          </p:cNvPicPr>
+          <p:nvPr/>
+        </p:nvPicPr>
+        <p:blipFill>
+          <a:blip r:embed="rId2">
+            <a:extLst>
+              <a:ext uri="{28A0092B-C50C-407E-A947-70E740481C1C}">
+                <a14:useLocalDpi xmlns:a14="http://schemas.microsoft.com/office/drawing/2010/main" val="0"/>
+              </a:ext>
+            </a:extLst>
+          </a:blip>
+          <a:stretch>
+            <a:fillRect/>
+          </a:stretch>
+        </p:blipFill>
+        <p:spPr>
+          <a:xfrm>
+            <a:off x="4832239" y="565844"/>
+            <a:ext cx="2302080" cy="2793045"/>
+          </a:xfrm>
+          <a:prstGeom prst="rect">
+            <a:avLst/>
+          </a:prstGeom>
+        </p:spPr>
+      </p:pic>
+      <p:pic>
+        <p:nvPicPr>
+          <p:cNvPr id="6" name="Picture 5"/>
+          <p:cNvPicPr>
+            <a:picLocks noChangeAspect="1"/>
+          </p:cNvPicPr>
+          <p:nvPr/>
+        </p:nvPicPr>
+        <p:blipFill>
+          <a:blip r:embed="rId3">
+            <a:extLst>
+              <a:ext uri="{28A0092B-C50C-407E-A947-70E740481C1C}">
+                <a14:useLocalDpi xmlns:a14="http://schemas.microsoft.com/office/drawing/2010/main" val="0"/>
+              </a:ext>
+            </a:extLst>
+          </a:blip>
+          <a:stretch>
+            <a:fillRect/>
+          </a:stretch>
+        </p:blipFill>
+        <p:spPr>
+          <a:xfrm>
+            <a:off x="8351955" y="3873873"/>
+            <a:ext cx="2363225" cy="2787952"/>
+          </a:xfrm>
+          <a:prstGeom prst="rect">
+            <a:avLst/>
+          </a:prstGeom>
+        </p:spPr>
+      </p:pic>
+      <p:pic>
+        <p:nvPicPr>
+          <p:cNvPr id="7" name="Picture 6"/>
+          <p:cNvPicPr>
+            <a:picLocks noChangeAspect="1"/>
+          </p:cNvPicPr>
+          <p:nvPr/>
+        </p:nvPicPr>
+        <p:blipFill>
+          <a:blip r:embed="rId4">
+            <a:extLst>
+              <a:ext uri="{28A0092B-C50C-407E-A947-70E740481C1C}">
+                <a14:useLocalDpi xmlns:a14="http://schemas.microsoft.com/office/drawing/2010/main" val="0"/>
+              </a:ext>
+            </a:extLst>
+          </a:blip>
+          <a:stretch>
+            <a:fillRect/>
+          </a:stretch>
+        </p:blipFill>
+        <p:spPr>
+          <a:xfrm>
+            <a:off x="1581748" y="3781058"/>
+            <a:ext cx="2258127" cy="2779233"/>
+          </a:xfrm>
+          <a:prstGeom prst="rect">
+            <a:avLst/>
+          </a:prstGeom>
+        </p:spPr>
+      </p:pic>
     </p:spTree>
     <p:extLst>
       <p:ext uri="{BB962C8B-B14F-4D97-AF65-F5344CB8AC3E}">
@@ -3710,41 +3629,12 @@
         </p:nvGrpSpPr>
         <p:grpSpPr>
           <a:xfrm>
-            <a:off x="1424665" y="607973"/>
-            <a:ext cx="9344028" cy="6160220"/>
-            <a:chOff x="1261381" y="1136237"/>
-            <a:chExt cx="7229086" cy="4349257"/>
+            <a:off x="1424665" y="3817182"/>
+            <a:ext cx="9344028" cy="2951012"/>
+            <a:chOff x="1261381" y="3402012"/>
+            <a:chExt cx="7229086" cy="2083482"/>
           </a:xfrm>
         </p:grpSpPr>
-        <p:pic>
-          <p:nvPicPr>
-            <p:cNvPr id="15" name="Content Placeholder 3"/>
-            <p:cNvPicPr>
-              <a:picLocks noChangeAspect="1"/>
-            </p:cNvPicPr>
-            <p:nvPr/>
-          </p:nvPicPr>
-          <p:blipFill rotWithShape="1">
-            <a:blip r:embed="rId2">
-              <a:extLst>
-                <a:ext uri="{28A0092B-C50C-407E-A947-70E740481C1C}">
-                  <a14:useLocalDpi xmlns:a14="http://schemas.microsoft.com/office/drawing/2010/main" val="0"/>
-                </a:ext>
-              </a:extLst>
-            </a:blip>
-            <a:srcRect l="40880" t="33986" r="37408" b="37670"/>
-            <a:stretch/>
-          </p:blipFill>
-          <p:spPr>
-            <a:xfrm>
-              <a:off x="1355270" y="3438607"/>
-              <a:ext cx="1951264" cy="1910443"/>
-            </a:xfrm>
-            <a:prstGeom prst="rect">
-              <a:avLst/>
-            </a:prstGeom>
-          </p:spPr>
-        </p:pic>
         <p:sp>
           <p:nvSpPr>
             <p:cNvPr id="10" name="Rectangle 9"/>
@@ -3837,64 +3727,6 @@
             </a:p>
           </p:txBody>
         </p:sp>
-        <p:pic>
-          <p:nvPicPr>
-            <p:cNvPr id="16" name="Content Placeholder 3"/>
-            <p:cNvPicPr>
-              <a:picLocks noChangeAspect="1"/>
-            </p:cNvPicPr>
-            <p:nvPr/>
-          </p:nvPicPr>
-          <p:blipFill rotWithShape="1">
-            <a:blip r:embed="rId2">
-              <a:extLst>
-                <a:ext uri="{28A0092B-C50C-407E-A947-70E740481C1C}">
-                  <a14:useLocalDpi xmlns:a14="http://schemas.microsoft.com/office/drawing/2010/main" val="0"/>
-                </a:ext>
-              </a:extLst>
-            </a:blip>
-            <a:srcRect l="12809" t="33380" r="65660" b="37549"/>
-            <a:stretch/>
-          </p:blipFill>
-          <p:spPr>
-            <a:xfrm>
-              <a:off x="3755374" y="1136237"/>
-              <a:ext cx="1934937" cy="1959429"/>
-            </a:xfrm>
-            <a:prstGeom prst="rect">
-              <a:avLst/>
-            </a:prstGeom>
-          </p:spPr>
-        </p:pic>
-        <p:pic>
-          <p:nvPicPr>
-            <p:cNvPr id="17" name="Content Placeholder 3"/>
-            <p:cNvPicPr>
-              <a:picLocks noChangeAspect="1"/>
-            </p:cNvPicPr>
-            <p:nvPr/>
-          </p:nvPicPr>
-          <p:blipFill rotWithShape="1">
-            <a:blip r:embed="rId2">
-              <a:extLst>
-                <a:ext uri="{28A0092B-C50C-407E-A947-70E740481C1C}">
-                  <a14:useLocalDpi xmlns:a14="http://schemas.microsoft.com/office/drawing/2010/main" val="0"/>
-                </a:ext>
-              </a:extLst>
-            </a:blip>
-            <a:srcRect l="68860" t="34107" r="9518" b="37428"/>
-            <a:stretch/>
-          </p:blipFill>
-          <p:spPr>
-            <a:xfrm>
-              <a:off x="6387575" y="3484449"/>
-              <a:ext cx="1943101" cy="1918608"/>
-            </a:xfrm>
-            <a:prstGeom prst="rect">
-              <a:avLst/>
-            </a:prstGeom>
-          </p:spPr>
-        </p:pic>
       </p:grpSp>
       <p:grpSp>
         <p:nvGrpSpPr>
@@ -4001,6 +3833,96 @@
           </p:txBody>
         </p:sp>
       </p:grpSp>
+      <p:pic>
+        <p:nvPicPr>
+          <p:cNvPr id="3" name="Picture 2"/>
+          <p:cNvPicPr>
+            <a:picLocks noChangeAspect="1"/>
+          </p:cNvPicPr>
+          <p:nvPr/>
+        </p:nvPicPr>
+        <p:blipFill>
+          <a:blip r:embed="rId2">
+            <a:extLst>
+              <a:ext uri="{28A0092B-C50C-407E-A947-70E740481C1C}">
+                <a14:useLocalDpi xmlns:a14="http://schemas.microsoft.com/office/drawing/2010/main" val="0"/>
+              </a:ext>
+            </a:extLst>
+          </a:blip>
+          <a:stretch>
+            <a:fillRect/>
+          </a:stretch>
+        </p:blipFill>
+        <p:spPr>
+          <a:xfrm>
+            <a:off x="1671598" y="3875562"/>
+            <a:ext cx="2243579" cy="2815472"/>
+          </a:xfrm>
+          <a:prstGeom prst="rect">
+            <a:avLst/>
+          </a:prstGeom>
+        </p:spPr>
+      </p:pic>
+      <p:pic>
+        <p:nvPicPr>
+          <p:cNvPr id="4" name="Picture 3"/>
+          <p:cNvPicPr>
+            <a:picLocks noChangeAspect="1"/>
+          </p:cNvPicPr>
+          <p:nvPr/>
+        </p:nvPicPr>
+        <p:blipFill>
+          <a:blip r:embed="rId3">
+            <a:extLst>
+              <a:ext uri="{28A0092B-C50C-407E-A947-70E740481C1C}">
+                <a14:useLocalDpi xmlns:a14="http://schemas.microsoft.com/office/drawing/2010/main" val="0"/>
+              </a:ext>
+            </a:extLst>
+          </a:blip>
+          <a:stretch>
+            <a:fillRect/>
+          </a:stretch>
+        </p:blipFill>
+        <p:spPr>
+          <a:xfrm>
+            <a:off x="8319971" y="3861906"/>
+            <a:ext cx="2086158" cy="2871271"/>
+          </a:xfrm>
+          <a:prstGeom prst="rect">
+            <a:avLst/>
+          </a:prstGeom>
+        </p:spPr>
+      </p:pic>
+      <p:pic>
+        <p:nvPicPr>
+          <p:cNvPr id="6" name="Picture 5"/>
+          <p:cNvPicPr>
+            <a:picLocks noChangeAspect="1"/>
+          </p:cNvPicPr>
+          <p:nvPr/>
+        </p:nvPicPr>
+        <p:blipFill>
+          <a:blip r:embed="rId4">
+            <a:extLst>
+              <a:ext uri="{28A0092B-C50C-407E-A947-70E740481C1C}">
+                <a14:useLocalDpi xmlns:a14="http://schemas.microsoft.com/office/drawing/2010/main" val="0"/>
+              </a:ext>
+            </a:extLst>
+          </a:blip>
+          <a:stretch>
+            <a:fillRect/>
+          </a:stretch>
+        </p:blipFill>
+        <p:spPr>
+          <a:xfrm>
+            <a:off x="4928612" y="609239"/>
+            <a:ext cx="2000221" cy="2782916"/>
+          </a:xfrm>
+          <a:prstGeom prst="rect">
+            <a:avLst/>
+          </a:prstGeom>
+        </p:spPr>
+      </p:pic>
     </p:spTree>
     <p:extLst>
       <p:ext uri="{BB962C8B-B14F-4D97-AF65-F5344CB8AC3E}">
@@ -4039,41 +3961,12 @@
         </p:nvGrpSpPr>
         <p:grpSpPr>
           <a:xfrm>
-            <a:off x="1167491" y="521995"/>
-            <a:ext cx="10107388" cy="6189048"/>
+            <a:off x="1266145" y="555564"/>
+            <a:ext cx="6518190" cy="6189048"/>
             <a:chOff x="1118506" y="1076327"/>
-            <a:chExt cx="7228499" cy="4379006"/>
+            <a:chExt cx="4661613" cy="4379006"/>
           </a:xfrm>
         </p:grpSpPr>
-        <p:pic>
-          <p:nvPicPr>
-            <p:cNvPr id="14" name="Content Placeholder 3"/>
-            <p:cNvPicPr>
-              <a:picLocks noChangeAspect="1"/>
-            </p:cNvPicPr>
-            <p:nvPr/>
-          </p:nvPicPr>
-          <p:blipFill rotWithShape="1">
-            <a:blip r:embed="rId2">
-              <a:extLst>
-                <a:ext uri="{28A0092B-C50C-407E-A947-70E740481C1C}">
-                  <a14:useLocalDpi xmlns:a14="http://schemas.microsoft.com/office/drawing/2010/main" val="0"/>
-                </a:ext>
-              </a:extLst>
-            </a:blip>
-            <a:srcRect l="68838" t="34102" r="9360" b="36937"/>
-            <a:stretch/>
-          </p:blipFill>
-          <p:spPr>
-            <a:xfrm>
-              <a:off x="6371247" y="3453493"/>
-              <a:ext cx="1975758" cy="1968386"/>
-            </a:xfrm>
-            <a:prstGeom prst="rect">
-              <a:avLst/>
-            </a:prstGeom>
-          </p:spPr>
-        </p:pic>
         <p:sp>
           <p:nvSpPr>
             <p:cNvPr id="10" name="Rectangle 9"/>
@@ -4168,35 +4061,6 @@
         </p:sp>
         <p:pic>
           <p:nvPicPr>
-            <p:cNvPr id="12" name="Content Placeholder 3"/>
-            <p:cNvPicPr>
-              <a:picLocks noChangeAspect="1"/>
-            </p:cNvPicPr>
-            <p:nvPr/>
-          </p:nvPicPr>
-          <p:blipFill rotWithShape="1">
-            <a:blip r:embed="rId2">
-              <a:extLst>
-                <a:ext uri="{28A0092B-C50C-407E-A947-70E740481C1C}">
-                  <a14:useLocalDpi xmlns:a14="http://schemas.microsoft.com/office/drawing/2010/main" val="0"/>
-                </a:ext>
-              </a:extLst>
-            </a:blip>
-            <a:srcRect l="41081" t="34134" r="37207" b="37277"/>
-            <a:stretch/>
-          </p:blipFill>
-          <p:spPr>
-            <a:xfrm>
-              <a:off x="3739047" y="1126671"/>
-              <a:ext cx="1967592" cy="1943100"/>
-            </a:xfrm>
-            <a:prstGeom prst="rect">
-              <a:avLst/>
-            </a:prstGeom>
-          </p:spPr>
-        </p:pic>
-        <p:pic>
-          <p:nvPicPr>
             <p:cNvPr id="13" name="Content Placeholder 3"/>
             <p:cNvPicPr>
               <a:picLocks noChangeAspect="1"/>
@@ -4216,8 +4080,8 @@
           </p:blipFill>
           <p:spPr>
             <a:xfrm>
-              <a:off x="1249134" y="3454288"/>
-              <a:ext cx="2139043" cy="1918608"/>
+              <a:off x="1379705" y="3407375"/>
+              <a:ext cx="1720124" cy="1980295"/>
             </a:xfrm>
             <a:prstGeom prst="rect">
               <a:avLst/>
@@ -4330,6 +4194,66 @@
           </p:txBody>
         </p:sp>
       </p:grpSp>
+      <p:pic>
+        <p:nvPicPr>
+          <p:cNvPr id="3" name="Picture 2"/>
+          <p:cNvPicPr>
+            <a:picLocks noChangeAspect="1"/>
+          </p:cNvPicPr>
+          <p:nvPr/>
+        </p:nvPicPr>
+        <p:blipFill>
+          <a:blip r:embed="rId3">
+            <a:extLst>
+              <a:ext uri="{28A0092B-C50C-407E-A947-70E740481C1C}">
+                <a14:useLocalDpi xmlns:a14="http://schemas.microsoft.com/office/drawing/2010/main" val="0"/>
+              </a:ext>
+            </a:extLst>
+          </a:blip>
+          <a:stretch>
+            <a:fillRect/>
+          </a:stretch>
+        </p:blipFill>
+        <p:spPr>
+          <a:xfrm>
+            <a:off x="5035796" y="604195"/>
+            <a:ext cx="2540367" cy="2827539"/>
+          </a:xfrm>
+          <a:prstGeom prst="rect">
+            <a:avLst/>
+          </a:prstGeom>
+        </p:spPr>
+      </p:pic>
+      <p:pic>
+        <p:nvPicPr>
+          <p:cNvPr id="4" name="Picture 3"/>
+          <p:cNvPicPr>
+            <a:picLocks noChangeAspect="1"/>
+          </p:cNvPicPr>
+          <p:nvPr/>
+        </p:nvPicPr>
+        <p:blipFill>
+          <a:blip r:embed="rId4">
+            <a:extLst>
+              <a:ext uri="{28A0092B-C50C-407E-A947-70E740481C1C}">
+                <a14:useLocalDpi xmlns:a14="http://schemas.microsoft.com/office/drawing/2010/main" val="0"/>
+              </a:ext>
+            </a:extLst>
+          </a:blip>
+          <a:stretch>
+            <a:fillRect/>
+          </a:stretch>
+        </p:blipFill>
+        <p:spPr>
+          <a:xfrm>
+            <a:off x="8704782" y="3785677"/>
+            <a:ext cx="2248700" cy="2864016"/>
+          </a:xfrm>
+          <a:prstGeom prst="rect">
+            <a:avLst/>
+          </a:prstGeom>
+        </p:spPr>
+      </p:pic>
     </p:spTree>
     <p:extLst>
       <p:ext uri="{BB962C8B-B14F-4D97-AF65-F5344CB8AC3E}">

--- a/static/images/bad_examples/primitives.pptx
+++ b/static/images/bad_examples/primitives.pptx
@@ -4059,35 +4059,6 @@
             </a:p>
           </p:txBody>
         </p:sp>
-        <p:pic>
-          <p:nvPicPr>
-            <p:cNvPr id="13" name="Content Placeholder 3"/>
-            <p:cNvPicPr>
-              <a:picLocks noChangeAspect="1"/>
-            </p:cNvPicPr>
-            <p:nvPr/>
-          </p:nvPicPr>
-          <p:blipFill rotWithShape="1">
-            <a:blip r:embed="rId2">
-              <a:extLst>
-                <a:ext uri="{28A0092B-C50C-407E-A947-70E740481C1C}">
-                  <a14:useLocalDpi xmlns:a14="http://schemas.microsoft.com/office/drawing/2010/main" val="0"/>
-                </a:ext>
-              </a:extLst>
-            </a:blip>
-            <a:srcRect l="11891" t="34080" r="64506" b="37692"/>
-            <a:stretch/>
-          </p:blipFill>
-          <p:spPr>
-            <a:xfrm>
-              <a:off x="1379705" y="3407375"/>
-              <a:ext cx="1720124" cy="1980295"/>
-            </a:xfrm>
-            <a:prstGeom prst="rect">
-              <a:avLst/>
-            </a:prstGeom>
-          </p:spPr>
-        </p:pic>
       </p:grpSp>
       <p:grpSp>
         <p:nvGrpSpPr>
@@ -4203,7 +4174,7 @@
           <p:nvPr/>
         </p:nvPicPr>
         <p:blipFill>
-          <a:blip r:embed="rId3">
+          <a:blip r:embed="rId2">
             <a:extLst>
               <a:ext uri="{28A0092B-C50C-407E-A947-70E740481C1C}">
                 <a14:useLocalDpi xmlns:a14="http://schemas.microsoft.com/office/drawing/2010/main" val="0"/>
@@ -4233,7 +4204,7 @@
           <p:nvPr/>
         </p:nvPicPr>
         <p:blipFill>
-          <a:blip r:embed="rId4">
+          <a:blip r:embed="rId3">
             <a:extLst>
               <a:ext uri="{28A0092B-C50C-407E-A947-70E740481C1C}">
                 <a14:useLocalDpi xmlns:a14="http://schemas.microsoft.com/office/drawing/2010/main" val="0"/>
@@ -4248,6 +4219,36 @@
           <a:xfrm>
             <a:off x="8704782" y="3785677"/>
             <a:ext cx="2248700" cy="2864016"/>
+          </a:xfrm>
+          <a:prstGeom prst="rect">
+            <a:avLst/>
+          </a:prstGeom>
+        </p:spPr>
+      </p:pic>
+      <p:pic>
+        <p:nvPicPr>
+          <p:cNvPr id="6" name="Picture 5"/>
+          <p:cNvPicPr>
+            <a:picLocks noChangeAspect="1"/>
+          </p:cNvPicPr>
+          <p:nvPr/>
+        </p:nvPicPr>
+        <p:blipFill>
+          <a:blip r:embed="rId4">
+            <a:extLst>
+              <a:ext uri="{28A0092B-C50C-407E-A947-70E740481C1C}">
+                <a14:useLocalDpi xmlns:a14="http://schemas.microsoft.com/office/drawing/2010/main" val="0"/>
+              </a:ext>
+            </a:extLst>
+          </a:blip>
+          <a:stretch>
+            <a:fillRect/>
+          </a:stretch>
+        </p:blipFill>
+        <p:spPr>
+          <a:xfrm>
+            <a:off x="1674989" y="3864735"/>
+            <a:ext cx="2425960" cy="2784958"/>
           </a:xfrm>
           <a:prstGeom prst="rect">
             <a:avLst/>
